--- a/1. Repaso de ML/1.4. Métodos Avanzados.pptx
+++ b/1. Repaso de ML/1.4. Métodos Avanzados.pptx
@@ -225,7 +225,7 @@
             <a:fld id="{B3E16CF3-8537-4774-A9FC-A2A5296655A0}" type="datetimeFigureOut">
               <a:rPr lang="es-ES" smtClean="0"/>
               <a:pPr/>
-              <a:t>20/10/2018</a:t>
+              <a:t>19/11/2018</a:t>
             </a:fld>
             <a:endParaRPr lang="es-ES"/>
           </a:p>
@@ -678,7 +678,7 @@
             <a:fld id="{7A847CFC-816F-41D0-AAC0-9BF4FEBC753E}" type="datetimeFigureOut">
               <a:rPr lang="es-ES" smtClean="0"/>
               <a:pPr/>
-              <a:t>20/10/2018</a:t>
+              <a:t>19/11/2018</a:t>
             </a:fld>
             <a:endParaRPr lang="es-ES"/>
           </a:p>
@@ -845,7 +845,7 @@
             <a:fld id="{7A847CFC-816F-41D0-AAC0-9BF4FEBC753E}" type="datetimeFigureOut">
               <a:rPr lang="es-ES" smtClean="0"/>
               <a:pPr/>
-              <a:t>20/10/2018</a:t>
+              <a:t>19/11/2018</a:t>
             </a:fld>
             <a:endParaRPr lang="es-ES"/>
           </a:p>
@@ -1022,7 +1022,7 @@
             <a:fld id="{7A847CFC-816F-41D0-AAC0-9BF4FEBC753E}" type="datetimeFigureOut">
               <a:rPr lang="es-ES" smtClean="0"/>
               <a:pPr/>
-              <a:t>20/10/2018</a:t>
+              <a:t>19/11/2018</a:t>
             </a:fld>
             <a:endParaRPr lang="es-ES"/>
           </a:p>
@@ -1189,7 +1189,7 @@
             <a:fld id="{7A847CFC-816F-41D0-AAC0-9BF4FEBC753E}" type="datetimeFigureOut">
               <a:rPr lang="es-ES" smtClean="0"/>
               <a:pPr/>
-              <a:t>20/10/2018</a:t>
+              <a:t>19/11/2018</a:t>
             </a:fld>
             <a:endParaRPr lang="es-ES"/>
           </a:p>
@@ -1432,7 +1432,7 @@
             <a:fld id="{7A847CFC-816F-41D0-AAC0-9BF4FEBC753E}" type="datetimeFigureOut">
               <a:rPr lang="es-ES" smtClean="0"/>
               <a:pPr/>
-              <a:t>20/10/2018</a:t>
+              <a:t>19/11/2018</a:t>
             </a:fld>
             <a:endParaRPr lang="es-ES"/>
           </a:p>
@@ -1717,7 +1717,7 @@
             <a:fld id="{7A847CFC-816F-41D0-AAC0-9BF4FEBC753E}" type="datetimeFigureOut">
               <a:rPr lang="es-ES" smtClean="0"/>
               <a:pPr/>
-              <a:t>20/10/2018</a:t>
+              <a:t>19/11/2018</a:t>
             </a:fld>
             <a:endParaRPr lang="es-ES"/>
           </a:p>
@@ -2136,7 +2136,7 @@
             <a:fld id="{7A847CFC-816F-41D0-AAC0-9BF4FEBC753E}" type="datetimeFigureOut">
               <a:rPr lang="es-ES" smtClean="0"/>
               <a:pPr/>
-              <a:t>20/10/2018</a:t>
+              <a:t>19/11/2018</a:t>
             </a:fld>
             <a:endParaRPr lang="es-ES"/>
           </a:p>
@@ -2251,7 +2251,7 @@
             <a:fld id="{7A847CFC-816F-41D0-AAC0-9BF4FEBC753E}" type="datetimeFigureOut">
               <a:rPr lang="es-ES" smtClean="0"/>
               <a:pPr/>
-              <a:t>20/10/2018</a:t>
+              <a:t>19/11/2018</a:t>
             </a:fld>
             <a:endParaRPr lang="es-ES"/>
           </a:p>
@@ -2343,7 +2343,7 @@
             <a:fld id="{7A847CFC-816F-41D0-AAC0-9BF4FEBC753E}" type="datetimeFigureOut">
               <a:rPr lang="es-ES" smtClean="0"/>
               <a:pPr/>
-              <a:t>20/10/2018</a:t>
+              <a:t>19/11/2018</a:t>
             </a:fld>
             <a:endParaRPr lang="es-ES"/>
           </a:p>
@@ -2617,7 +2617,7 @@
             <a:fld id="{7A847CFC-816F-41D0-AAC0-9BF4FEBC753E}" type="datetimeFigureOut">
               <a:rPr lang="es-ES" smtClean="0"/>
               <a:pPr/>
-              <a:t>20/10/2018</a:t>
+              <a:t>19/11/2018</a:t>
             </a:fld>
             <a:endParaRPr lang="es-ES"/>
           </a:p>
@@ -2867,7 +2867,7 @@
             <a:fld id="{7A847CFC-816F-41D0-AAC0-9BF4FEBC753E}" type="datetimeFigureOut">
               <a:rPr lang="es-ES" smtClean="0"/>
               <a:pPr/>
-              <a:t>20/10/2018</a:t>
+              <a:t>19/11/2018</a:t>
             </a:fld>
             <a:endParaRPr lang="es-ES"/>
           </a:p>
@@ -3077,7 +3077,7 @@
             <a:fld id="{7A847CFC-816F-41D0-AAC0-9BF4FEBC753E}" type="datetimeFigureOut">
               <a:rPr lang="es-ES" smtClean="0"/>
               <a:pPr/>
-              <a:t>20/10/2018</a:t>
+              <a:t>19/11/2018</a:t>
             </a:fld>
             <a:endParaRPr lang="es-ES"/>
           </a:p>
@@ -3628,8 +3628,13 @@
           <a:p>
             <a:r>
               <a:rPr lang="es-ES" dirty="0" smtClean="0"/>
-              <a:t>Se basa en representaciones prefijadas</a:t>
-            </a:r>
+              <a:t>Se basa en representaciones </a:t>
+            </a:r>
+            <a:r>
+              <a:rPr lang="es-ES" dirty="0" smtClean="0"/>
+              <a:t>prefijadas:</a:t>
+            </a:r>
+            <a:endParaRPr lang="es-ES" dirty="0" smtClean="0"/>
           </a:p>
           <a:p>
             <a:pPr lvl="1"/>
@@ -3642,35 +3647,20 @@
             </a:br>
             <a:r>
               <a:rPr lang="es-ES" dirty="0" smtClean="0"/>
-              <a:t>encontrar una solución de forma más </a:t>
-            </a:r>
-            <a:r>
-              <a:rPr lang="es-ES" dirty="0" smtClean="0"/>
-              <a:t>directa.</a:t>
-            </a:r>
-            <a:endParaRPr lang="es-ES" dirty="0" smtClean="0"/>
-          </a:p>
-          <a:p>
-            <a:r>
-              <a:rPr lang="es-ES" dirty="0" smtClean="0"/>
-              <a:t>Necesidad de métodos de optimización </a:t>
-            </a:r>
-            <a:r>
-              <a:rPr lang="es-ES" dirty="0" smtClean="0"/>
-              <a:t>alternativos.</a:t>
-            </a:r>
-            <a:endParaRPr lang="es-ES" dirty="0" smtClean="0"/>
-          </a:p>
-          <a:p>
-            <a:r>
-              <a:rPr lang="es-ES" dirty="0" smtClean="0"/>
-              <a:t>Necesidad de coordinar aprendizajes </a:t>
-            </a:r>
-            <a:r>
-              <a:rPr lang="es-ES" dirty="0" smtClean="0"/>
-              <a:t>independientes.</a:t>
-            </a:r>
-            <a:endParaRPr lang="es-ES" dirty="0" smtClean="0"/>
+              <a:t>encontrar una solución de forma más directa.</a:t>
+            </a:r>
+          </a:p>
+          <a:p>
+            <a:r>
+              <a:rPr lang="es-ES" dirty="0" smtClean="0"/>
+              <a:t>Necesidad de métodos de optimización alternativos.</a:t>
+            </a:r>
+          </a:p>
+          <a:p>
+            <a:r>
+              <a:rPr lang="es-ES" dirty="0" smtClean="0"/>
+              <a:t>Necesidad de coordinar aprendizajes independientes.</a:t>
+            </a:r>
           </a:p>
           <a:p>
             <a:r>
@@ -3679,11 +3669,7 @@
             </a:r>
             <a:r>
               <a:rPr lang="es-ES" b="1" dirty="0" smtClean="0"/>
-              <a:t>Transferencia de </a:t>
-            </a:r>
-            <a:r>
-              <a:rPr lang="es-ES" b="1" dirty="0" smtClean="0"/>
-              <a:t>Aprendizaje.</a:t>
+              <a:t>Transferencia de Aprendizaje.</a:t>
             </a:r>
             <a:endParaRPr lang="es-ES" dirty="0"/>
           </a:p>
@@ -3844,25 +3830,15 @@
             </a:br>
             <a:r>
               <a:rPr lang="es-ES" dirty="0" smtClean="0"/>
-              <a:t>profundidad de capas ocultas con las que </a:t>
-            </a:r>
-            <a:r>
-              <a:rPr lang="es-ES" dirty="0" smtClean="0"/>
-              <a:t>se trabaja.</a:t>
-            </a:r>
-            <a:endParaRPr lang="es-ES" dirty="0" smtClean="0"/>
+              <a:t>profundidad de capas ocultas con las que se trabaja.</a:t>
+            </a:r>
           </a:p>
           <a:p>
             <a:pPr lvl="1"/>
             <a:r>
               <a:rPr lang="es-ES" dirty="0" smtClean="0"/>
-              <a:t>Las ANN clásicas tienen el problema del bajo impacto de la retro-propagación cuando se tiene más de una capa </a:t>
-            </a:r>
-            <a:r>
-              <a:rPr lang="es-ES" dirty="0" smtClean="0"/>
-              <a:t>oculta.</a:t>
-            </a:r>
-            <a:endParaRPr lang="es-ES" dirty="0" smtClean="0"/>
+              <a:t>Las ANN clásicas tienen el problema del bajo impacto de la retro-propagación cuando se tiene más de una capa oculta.</a:t>
+            </a:r>
           </a:p>
           <a:p>
             <a:r>
@@ -3877,7 +3853,6 @@
               <a:rPr lang="es-ES" dirty="0" smtClean="0"/>
               <a:t>múltiples.</a:t>
             </a:r>
-            <a:endParaRPr lang="es-ES" dirty="0" smtClean="0"/>
           </a:p>
         </p:txBody>
       </p:sp>
@@ -3904,8 +3879,8 @@
         </p:blipFill>
         <p:spPr bwMode="auto">
           <a:xfrm>
-            <a:off x="6241885" y="81924"/>
-            <a:ext cx="5830780" cy="2987036"/>
+            <a:off x="5960762" y="81924"/>
+            <a:ext cx="6111903" cy="3131052"/>
           </a:xfrm>
           <a:prstGeom prst="rect">
             <a:avLst/>
@@ -4044,24 +4019,14 @@
             <a:pPr lvl="1"/>
             <a:r>
               <a:rPr lang="es-ES" dirty="0" smtClean="0"/>
-              <a:t>sino encontrar una representación adecuada para el objetivo de </a:t>
-            </a:r>
-            <a:r>
-              <a:rPr lang="es-ES" dirty="0" smtClean="0"/>
-              <a:t>aprendizaje.</a:t>
-            </a:r>
-            <a:endParaRPr lang="es-ES" dirty="0" smtClean="0"/>
-          </a:p>
-          <a:p>
-            <a:r>
-              <a:rPr lang="es-ES" dirty="0" smtClean="0"/>
-              <a:t>Sin necesidad de explicitar las características fundamentales del modelo (funcionan bien descubriéndolas</a:t>
-            </a:r>
-            <a:r>
-              <a:rPr lang="es-ES" dirty="0" smtClean="0"/>
-              <a:t>).</a:t>
-            </a:r>
-            <a:endParaRPr lang="es-ES" dirty="0" smtClean="0"/>
+              <a:t>sino encontrar una representación adecuada para el objetivo de aprendizaje.</a:t>
+            </a:r>
+          </a:p>
+          <a:p>
+            <a:r>
+              <a:rPr lang="es-ES" dirty="0" smtClean="0"/>
+              <a:t>Sin necesidad de explicitar las características fundamentales del modelo (funcionan bien descubriéndolas).</a:t>
+            </a:r>
           </a:p>
           <a:p>
             <a:r>
@@ -4088,11 +4053,7 @@
           <a:p>
             <a:r>
               <a:rPr lang="es-ES" dirty="0" smtClean="0"/>
-              <a:t>Trabaja por capas donde cada una puede aprender niveles de características (niveles de abstracción) de forma </a:t>
-            </a:r>
-            <a:r>
-              <a:rPr lang="es-ES" dirty="0" smtClean="0"/>
-              <a:t>jerárquica.</a:t>
+              <a:t>Trabaja por capas donde cada una puede aprender niveles de características (niveles de abstracción) de forma jerárquica.</a:t>
             </a:r>
             <a:endParaRPr lang="es-ES" dirty="0"/>
           </a:p>
@@ -4243,13 +4204,8 @@
           <a:p>
             <a:r>
               <a:rPr lang="es-ES" dirty="0" smtClean="0"/>
-              <a:t>Analicemos qué pasa si buscamos que la salida de una red sea exacta a la entrada… (sobre un conjunto de datos limitado</a:t>
-            </a:r>
-            <a:r>
-              <a:rPr lang="es-ES" dirty="0" smtClean="0"/>
-              <a:t>).</a:t>
-            </a:r>
-            <a:endParaRPr lang="es-ES" dirty="0" smtClean="0"/>
+              <a:t>Analicemos qué pasa si buscamos que la salida de una red sea exacta a la entrada… (sobre un conjunto de datos limitado).</a:t>
+            </a:r>
           </a:p>
           <a:p>
             <a:endParaRPr lang="es-ES" dirty="0" smtClean="0"/>
@@ -5328,8 +5284,9 @@
             </a:br>
             <a:r>
               <a:rPr lang="es-ES" dirty="0" smtClean="0"/>
-              <a:t>sobreajuste</a:t>
-            </a:r>
+              <a:t>sobreajuste.</a:t>
+            </a:r>
+            <a:endParaRPr lang="es-ES" dirty="0" smtClean="0"/>
           </a:p>
           <a:p>
             <a:pPr marL="0" indent="0">
@@ -5418,7 +5375,7 @@
             </a:r>
             <a:r>
               <a:rPr lang="es-ES" dirty="0" smtClean="0"/>
-              <a:t>)</a:t>
+              <a:t>).</a:t>
             </a:r>
             <a:endParaRPr lang="es-ES" dirty="0"/>
           </a:p>
@@ -5626,8 +5583,9 @@
             </a:br>
             <a:r>
               <a:rPr lang="es-ES" dirty="0" smtClean="0"/>
-              <a:t>distintos</a:t>
-            </a:r>
+              <a:t>distintos.</a:t>
+            </a:r>
+            <a:endParaRPr lang="es-ES" dirty="0" smtClean="0"/>
           </a:p>
           <a:p>
             <a:pPr marL="0" indent="0">
@@ -5819,8 +5777,9 @@
             </a:r>
             <a:r>
               <a:rPr lang="es-ES" dirty="0" smtClean="0"/>
-              <a:t>idéntico</a:t>
-            </a:r>
+              <a:t>idéntico.</a:t>
+            </a:r>
+            <a:endParaRPr lang="es-ES" dirty="0" smtClean="0"/>
           </a:p>
           <a:p>
             <a:pPr marL="514350" indent="-514350">
@@ -5844,8 +5803,9 @@
             </a:br>
             <a:r>
               <a:rPr lang="es-ES" dirty="0" smtClean="0"/>
-              <a:t>entrenamiento</a:t>
-            </a:r>
+              <a:t>entrenamiento.</a:t>
+            </a:r>
+            <a:endParaRPr lang="es-ES" dirty="0" smtClean="0"/>
           </a:p>
           <a:p>
             <a:pPr marL="514350" indent="-514350">
@@ -5862,8 +5822,9 @@
             </a:r>
             <a:r>
               <a:rPr lang="es-ES" dirty="0" smtClean="0"/>
-              <a:t>son</a:t>
-            </a:r>
+              <a:t>son.</a:t>
+            </a:r>
+            <a:endParaRPr lang="es-ES" dirty="0" smtClean="0"/>
           </a:p>
           <a:p>
             <a:pPr marL="514350" indent="-514350">
@@ -5880,8 +5841,9 @@
             </a:r>
             <a:r>
               <a:rPr lang="es-ES" dirty="0" smtClean="0"/>
-              <a:t>erróneos</a:t>
-            </a:r>
+              <a:t>erróneos.</a:t>
+            </a:r>
+            <a:endParaRPr lang="es-ES" dirty="0" smtClean="0"/>
           </a:p>
           <a:p>
             <a:pPr marL="514350" indent="-514350">
@@ -5898,8 +5860,9 @@
             </a:r>
             <a:r>
               <a:rPr lang="es-ES" dirty="0" smtClean="0"/>
-              <a:t>modificados</a:t>
-            </a:r>
+              <a:t>modificados.</a:t>
+            </a:r>
+            <a:endParaRPr lang="es-ES" dirty="0" smtClean="0"/>
           </a:p>
           <a:p>
             <a:pPr marL="514350" indent="-514350">
@@ -5916,8 +5879,13 @@
             </a:r>
             <a:r>
               <a:rPr lang="es-ES" dirty="0" smtClean="0"/>
-              <a:t>inicialmente)</a:t>
-            </a:r>
+              <a:t>inicialmente</a:t>
+            </a:r>
+            <a:r>
+              <a:rPr lang="es-ES" dirty="0" smtClean="0"/>
+              <a:t>).</a:t>
+            </a:r>
+            <a:endParaRPr lang="es-ES" dirty="0" smtClean="0"/>
           </a:p>
           <a:p>
             <a:pPr marL="514350" indent="-514350">
@@ -5930,7 +5898,11 @@
             </a:r>
             <a:r>
               <a:rPr lang="es-ES" dirty="0"/>
-              <a:t>modelo final se consigue por votación ponderada usando los pesos de todos los modelos.</a:t>
+              <a:t>modelo final se consigue por votación ponderada usando los pesos de todos los modelos</a:t>
+            </a:r>
+            <a:r>
+              <a:rPr lang="es-ES" dirty="0" smtClean="0"/>
+              <a:t>.</a:t>
             </a:r>
             <a:endParaRPr lang="es-ES" dirty="0" smtClean="0"/>
           </a:p>
@@ -6170,18 +6142,18 @@
               <a:t>Cuando se usan árboles de decisión, se obtiene un modelo muy conocido llamado </a:t>
             </a:r>
             <a:r>
-              <a:rPr lang="es-ES" b="1" dirty="0" err="1" smtClean="0"/>
-              <a:t>Random</a:t>
-            </a:r>
-            <a:r>
               <a:rPr lang="es-ES" b="1" dirty="0" smtClean="0"/>
-              <a:t> </a:t>
-            </a:r>
-            <a:r>
-              <a:rPr lang="es-ES" b="1" dirty="0" err="1" smtClean="0"/>
+              <a:t>Random </a:t>
+            </a:r>
+            <a:r>
+              <a:rPr lang="es-ES" b="1" dirty="0" smtClean="0"/>
               <a:t>Forest</a:t>
             </a:r>
-            <a:endParaRPr lang="es-ES" b="1" dirty="0" smtClean="0"/>
+            <a:r>
+              <a:rPr lang="es-ES" dirty="0" smtClean="0"/>
+              <a:t>.</a:t>
+            </a:r>
+            <a:endParaRPr lang="es-ES" dirty="0" smtClean="0"/>
           </a:p>
         </p:txBody>
       </p:sp>
@@ -6329,13 +6301,8 @@
             </a:br>
             <a:r>
               <a:rPr lang="es-ES" sz="2800" dirty="0" smtClean="0"/>
-              <a:t>cresta respecto a algunas </a:t>
-            </a:r>
-            <a:r>
-              <a:rPr lang="es-ES" sz="2800" dirty="0" smtClean="0"/>
-              <a:t>metodologías.</a:t>
-            </a:r>
-            <a:endParaRPr lang="es-ES" sz="2800" dirty="0" smtClean="0"/>
+              <a:t>cresta respecto a algunas metodologías.</a:t>
+            </a:r>
           </a:p>
           <a:p>
             <a:r>
@@ -6344,13 +6311,8 @@
             </a:r>
             <a:r>
               <a:rPr lang="es-ES" sz="2800" b="1" dirty="0" smtClean="0"/>
-              <a:t>grandes (grandísimas) cantidades de </a:t>
-            </a:r>
-            <a:r>
-              <a:rPr lang="es-ES" sz="2800" b="1" dirty="0" smtClean="0"/>
-              <a:t>datos.</a:t>
-            </a:r>
-            <a:endParaRPr lang="es-ES" sz="2800" b="1" dirty="0" smtClean="0"/>
+              <a:t>grandes (grandísimas) cantidades de datos.</a:t>
+            </a:r>
           </a:p>
           <a:p>
             <a:r>
@@ -6366,13 +6328,8 @@
             </a:br>
             <a:r>
               <a:rPr lang="es-ES" sz="2800" dirty="0" smtClean="0"/>
-              <a:t>en los </a:t>
-            </a:r>
-            <a:r>
-              <a:rPr lang="es-ES" sz="2800" dirty="0" smtClean="0"/>
-              <a:t>datos.</a:t>
-            </a:r>
-            <a:endParaRPr lang="es-ES" sz="2800" dirty="0" smtClean="0"/>
+              <a:t>en los datos.</a:t>
+            </a:r>
           </a:p>
           <a:p>
             <a:r>
@@ -6384,13 +6341,8 @@
             </a:br>
             <a:r>
               <a:rPr lang="es-ES" sz="2800" b="1" dirty="0" smtClean="0"/>
-              <a:t>entrenamientos en tiempo </a:t>
-            </a:r>
-            <a:r>
-              <a:rPr lang="es-ES" sz="2800" b="1" dirty="0" smtClean="0"/>
-              <a:t>real.</a:t>
-            </a:r>
-            <a:endParaRPr lang="es-ES" sz="2800" b="1" dirty="0" smtClean="0"/>
+              <a:t>entrenamientos en tiempo real.</a:t>
+            </a:r>
           </a:p>
           <a:p>
             <a:r>
@@ -6410,13 +6362,8 @@
             </a:r>
             <a:r>
               <a:rPr lang="es-ES" sz="2800" dirty="0" smtClean="0"/>
-              <a:t> de </a:t>
-            </a:r>
-            <a:r>
-              <a:rPr lang="es-ES" sz="2800" dirty="0" smtClean="0"/>
-              <a:t>entrenamiento.</a:t>
-            </a:r>
-            <a:endParaRPr lang="es-ES" sz="2800" dirty="0" smtClean="0"/>
+              <a:t> de entrenamiento.</a:t>
+            </a:r>
           </a:p>
         </p:txBody>
       </p:sp>
@@ -6586,8 +6533,8 @@
         </p:blipFill>
         <p:spPr bwMode="auto">
           <a:xfrm>
-            <a:off x="6082208" y="3850180"/>
-            <a:ext cx="1575135" cy="1071786"/>
+            <a:off x="5975369" y="3850180"/>
+            <a:ext cx="1920832" cy="1307012"/>
           </a:xfrm>
           <a:prstGeom prst="rect">
             <a:avLst/>
@@ -6627,8 +6574,8 @@
         </p:blipFill>
         <p:spPr bwMode="auto">
           <a:xfrm>
-            <a:off x="6888088" y="4920576"/>
-            <a:ext cx="1944216" cy="1258023"/>
+            <a:off x="7968208" y="4641016"/>
+            <a:ext cx="2376264" cy="1537584"/>
           </a:xfrm>
           <a:prstGeom prst="rect">
             <a:avLst/>
